--- a/프로젝트/SNS 웹페이지.pptx
+++ b/프로젝트/SNS 웹페이지.pptx
@@ -108,6 +108,11 @@
       </a:defRPr>
     </a:lvl9pPr>
   </p:defaultTextStyle>
+  <p:extLst>
+    <p:ext uri="{EFAFB233-063F-42B5-8137-9DF3F51BA10A}">
+      <p15:sldGuideLst xmlns:p15="http://schemas.microsoft.com/office/powerpoint/2012/main"/>
+    </p:ext>
+  </p:extLst>
 </p:presentation>
 </file>
 
@@ -258,7 +263,7 @@
           <a:p>
             <a:fld id="{DBF7BF31-2DC1-48A1-8201-8D1B787212C9}" type="datetimeFigureOut">
               <a:rPr lang="ko-KR" altLang="en-US" smtClean="0"/>
-              <a:t>2024-09-26</a:t>
+              <a:t>2024-09-27</a:t>
             </a:fld>
             <a:endParaRPr lang="ko-KR" altLang="en-US"/>
           </a:p>
@@ -456,7 +461,7 @@
           <a:p>
             <a:fld id="{DBF7BF31-2DC1-48A1-8201-8D1B787212C9}" type="datetimeFigureOut">
               <a:rPr lang="ko-KR" altLang="en-US" smtClean="0"/>
-              <a:t>2024-09-26</a:t>
+              <a:t>2024-09-27</a:t>
             </a:fld>
             <a:endParaRPr lang="ko-KR" altLang="en-US"/>
           </a:p>
@@ -664,7 +669,7 @@
           <a:p>
             <a:fld id="{DBF7BF31-2DC1-48A1-8201-8D1B787212C9}" type="datetimeFigureOut">
               <a:rPr lang="ko-KR" altLang="en-US" smtClean="0"/>
-              <a:t>2024-09-26</a:t>
+              <a:t>2024-09-27</a:t>
             </a:fld>
             <a:endParaRPr lang="ko-KR" altLang="en-US"/>
           </a:p>
@@ -862,7 +867,7 @@
           <a:p>
             <a:fld id="{DBF7BF31-2DC1-48A1-8201-8D1B787212C9}" type="datetimeFigureOut">
               <a:rPr lang="ko-KR" altLang="en-US" smtClean="0"/>
-              <a:t>2024-09-26</a:t>
+              <a:t>2024-09-27</a:t>
             </a:fld>
             <a:endParaRPr lang="ko-KR" altLang="en-US"/>
           </a:p>
@@ -1137,7 +1142,7 @@
           <a:p>
             <a:fld id="{DBF7BF31-2DC1-48A1-8201-8D1B787212C9}" type="datetimeFigureOut">
               <a:rPr lang="ko-KR" altLang="en-US" smtClean="0"/>
-              <a:t>2024-09-26</a:t>
+              <a:t>2024-09-27</a:t>
             </a:fld>
             <a:endParaRPr lang="ko-KR" altLang="en-US"/>
           </a:p>
@@ -1402,7 +1407,7 @@
           <a:p>
             <a:fld id="{DBF7BF31-2DC1-48A1-8201-8D1B787212C9}" type="datetimeFigureOut">
               <a:rPr lang="ko-KR" altLang="en-US" smtClean="0"/>
-              <a:t>2024-09-26</a:t>
+              <a:t>2024-09-27</a:t>
             </a:fld>
             <a:endParaRPr lang="ko-KR" altLang="en-US"/>
           </a:p>
@@ -1814,7 +1819,7 @@
           <a:p>
             <a:fld id="{DBF7BF31-2DC1-48A1-8201-8D1B787212C9}" type="datetimeFigureOut">
               <a:rPr lang="ko-KR" altLang="en-US" smtClean="0"/>
-              <a:t>2024-09-26</a:t>
+              <a:t>2024-09-27</a:t>
             </a:fld>
             <a:endParaRPr lang="ko-KR" altLang="en-US"/>
           </a:p>
@@ -1955,7 +1960,7 @@
           <a:p>
             <a:fld id="{DBF7BF31-2DC1-48A1-8201-8D1B787212C9}" type="datetimeFigureOut">
               <a:rPr lang="ko-KR" altLang="en-US" smtClean="0"/>
-              <a:t>2024-09-26</a:t>
+              <a:t>2024-09-27</a:t>
             </a:fld>
             <a:endParaRPr lang="ko-KR" altLang="en-US"/>
           </a:p>
@@ -2068,7 +2073,7 @@
           <a:p>
             <a:fld id="{DBF7BF31-2DC1-48A1-8201-8D1B787212C9}" type="datetimeFigureOut">
               <a:rPr lang="ko-KR" altLang="en-US" smtClean="0"/>
-              <a:t>2024-09-26</a:t>
+              <a:t>2024-09-27</a:t>
             </a:fld>
             <a:endParaRPr lang="ko-KR" altLang="en-US"/>
           </a:p>
@@ -2379,7 +2384,7 @@
           <a:p>
             <a:fld id="{DBF7BF31-2DC1-48A1-8201-8D1B787212C9}" type="datetimeFigureOut">
               <a:rPr lang="ko-KR" altLang="en-US" smtClean="0"/>
-              <a:t>2024-09-26</a:t>
+              <a:t>2024-09-27</a:t>
             </a:fld>
             <a:endParaRPr lang="ko-KR" altLang="en-US"/>
           </a:p>
@@ -2667,7 +2672,7 @@
           <a:p>
             <a:fld id="{DBF7BF31-2DC1-48A1-8201-8D1B787212C9}" type="datetimeFigureOut">
               <a:rPr lang="ko-KR" altLang="en-US" smtClean="0"/>
-              <a:t>2024-09-26</a:t>
+              <a:t>2024-09-27</a:t>
             </a:fld>
             <a:endParaRPr lang="ko-KR" altLang="en-US"/>
           </a:p>
@@ -2911,7 +2916,7 @@
           <a:p>
             <a:fld id="{DBF7BF31-2DC1-48A1-8201-8D1B787212C9}" type="datetimeFigureOut">
               <a:rPr lang="ko-KR" altLang="en-US" smtClean="0"/>
-              <a:t>2024-09-26</a:t>
+              <a:t>2024-09-27</a:t>
             </a:fld>
             <a:endParaRPr lang="ko-KR" altLang="en-US"/>
           </a:p>
@@ -3373,7 +3378,7 @@
                 <a:latin typeface="휴먼둥근헤드라인" panose="02030504000101010101" pitchFamily="18" charset="-127"/>
                 <a:ea typeface="휴먼둥근헤드라인" panose="02030504000101010101" pitchFamily="18" charset="-127"/>
               </a:rPr>
-              <a:t>SNS </a:t>
+              <a:t>SNS WEB</a:t>
             </a:r>
             <a:r>
               <a:rPr lang="ko-KR" altLang="en-US" sz="5400" dirty="0">
@@ -3387,7 +3392,7 @@
                 <a:latin typeface="휴먼둥근헤드라인" panose="02030504000101010101" pitchFamily="18" charset="-127"/>
                 <a:ea typeface="휴먼둥근헤드라인" panose="02030504000101010101" pitchFamily="18" charset="-127"/>
               </a:rPr>
-              <a:t>웹페이지 제작 프로젝트</a:t>
+              <a:t> 제작 프로젝트</a:t>
             </a:r>
           </a:p>
         </p:txBody>
@@ -6484,8 +6489,8 @@
           <a:lstStyle/>
           <a:p>
             <a:r>
-              <a:rPr lang="ko-KR" altLang="en-US"/>
-              <a:t>웹페이지 화면</a:t>
+              <a:rPr lang="en-US" altLang="ko-KR" dirty="0"/>
+              <a:t>SNS</a:t>
             </a:r>
             <a:endParaRPr lang="ko-KR" altLang="en-US" dirty="0"/>
           </a:p>
@@ -6507,7 +6512,7 @@
         </p:nvSpPr>
         <p:spPr>
           <a:xfrm>
-            <a:off x="4423922" y="885362"/>
+            <a:off x="2024670" y="815255"/>
             <a:ext cx="3344155" cy="837447"/>
           </a:xfrm>
           <a:prstGeom prst="rect">
